--- a/trabalho04/Sincronização com semáforos.pptx
+++ b/trabalho04/Sincronização com semáforos.pptx
@@ -3852,10 +3852,18 @@
           <a:p>
             <a:r>
               <a:rPr lang="pt-BR" sz="1800" dirty="0"/>
-              <a:t>https://github.com/CarlosAlbertoUFS/SOProjects/tree/master/Trabalho03</a:t>
-            </a:r>
-          </a:p>
-          <a:p>
+              <a:t>https://</a:t>
+            </a:r>
+            <a:r>
+              <a:rPr lang="pt-BR" sz="1800" dirty="0" smtClean="0"/>
+              <a:t>github.com/CarlosAlbertoUFS/SOProjects/tree/master/Trabalho04</a:t>
+            </a:r>
+            <a:endParaRPr lang="pt-BR" sz="1800" dirty="0"/>
+          </a:p>
+          <a:p>
+            <a:pPr marL="0" indent="0">
+              <a:buNone/>
+            </a:pPr>
             <a:endParaRPr lang="pt-BR" sz="1800" dirty="0"/>
           </a:p>
         </p:txBody>
@@ -3914,11 +3922,7 @@
           <a:p>
             <a:r>
               <a:rPr lang="pt-BR" dirty="0" smtClean="0"/>
-              <a:t>1. </a:t>
-            </a:r>
-            <a:r>
-              <a:rPr lang="pt-BR" dirty="0" smtClean="0"/>
-              <a:t>Sincronização de threads</a:t>
+              <a:t>1. Sincronização de threads</a:t>
             </a:r>
             <a:endParaRPr lang="pt-BR" dirty="0"/>
           </a:p>
@@ -3971,7 +3975,6 @@
               <a:rPr lang="pt-BR" dirty="0" smtClean="0"/>
               <a:t> e variáveis condicionais. </a:t>
             </a:r>
-            <a:endParaRPr lang="pt-BR" dirty="0" smtClean="0"/>
           </a:p>
         </p:txBody>
       </p:sp>
@@ -4052,11 +4055,7 @@
           <a:p>
             <a:r>
               <a:rPr lang="pt-BR" dirty="0" smtClean="0"/>
-              <a:t>3. </a:t>
-            </a:r>
-            <a:r>
-              <a:rPr lang="pt-BR" dirty="0" smtClean="0"/>
-              <a:t>Conceito de Semáforos</a:t>
+              <a:t>3. Conceito de Semáforos</a:t>
             </a:r>
             <a:endParaRPr lang="pt-BR" dirty="0"/>
           </a:p>
@@ -4210,11 +4209,7 @@
           <a:p>
             <a:r>
               <a:rPr lang="pt-BR" dirty="0" smtClean="0"/>
-              <a:t>2. </a:t>
-            </a:r>
-            <a:r>
-              <a:rPr lang="pt-BR" dirty="0" smtClean="0"/>
-              <a:t>Como funciona?</a:t>
+              <a:t>2. Como funciona?</a:t>
             </a:r>
             <a:endParaRPr lang="pt-BR" dirty="0"/>
           </a:p>
@@ -4410,11 +4405,7 @@
           <a:p>
             <a:r>
               <a:rPr lang="pt-BR" dirty="0" smtClean="0"/>
-              <a:t>5. Funções </a:t>
-            </a:r>
-            <a:r>
-              <a:rPr lang="pt-BR" dirty="0" smtClean="0"/>
-              <a:t>importantes dos semáforos</a:t>
+              <a:t>5. Funções importantes dos semáforos</a:t>
             </a:r>
             <a:endParaRPr lang="pt-BR" dirty="0"/>
           </a:p>
@@ -4725,11 +4716,7 @@
           <a:p>
             <a:r>
               <a:rPr lang="pt-BR" dirty="0" smtClean="0"/>
-              <a:t>4. </a:t>
-            </a:r>
-            <a:r>
-              <a:rPr lang="pt-BR" dirty="0" smtClean="0"/>
-              <a:t>Bibliotecas relevantes para a implementação</a:t>
+              <a:t>4. Bibliotecas relevantes para a implementação</a:t>
             </a:r>
             <a:endParaRPr lang="pt-BR" dirty="0"/>
           </a:p>
@@ -5275,7 +5262,7 @@
         <p:spPr>
           <a:xfrm>
             <a:off x="179512" y="1482266"/>
-            <a:ext cx="2380652" cy="369332"/>
+            <a:ext cx="1455527" cy="369332"/>
           </a:xfrm>
           <a:prstGeom prst="rect">
             <a:avLst/>
@@ -5298,7 +5285,7 @@
             </a:r>
             <a:r>
               <a:rPr lang="pt-BR" dirty="0" smtClean="0"/>
-              <a:t> do cliente</a:t>
+              <a:t> </a:t>
             </a:r>
             <a:endParaRPr lang="pt-BR" dirty="0"/>
           </a:p>
